--- a/docs/ClassificationClustering.pptx
+++ b/docs/ClassificationClustering.pptx
@@ -45252,7 +45252,7 @@
                 <a:cs typeface="Roboto Mono"/>
                 <a:sym typeface="Roboto Mono"/>
               </a:rPr>
-              <a:t>data['published_date'] = pd.to_datetime(data['published_date'])</a:t>
+              <a:t>data['Date'] = pd.to_datetime(data['Published Date'])</a:t>
             </a:r>
             <a:endParaRPr sz="1575">
               <a:solidFill>
@@ -45288,7 +45288,7 @@
                 <a:cs typeface="Roboto Mono"/>
                 <a:sym typeface="Roboto Mono"/>
               </a:rPr>
-              <a:t>data['hour'] = data['published_date'].dt.hour</a:t>
+              <a:t>data['hour'] = data['Date'].dt.hour</a:t>
             </a:r>
             <a:endParaRPr sz="1575">
               <a:solidFill>
@@ -45360,7 +45360,7 @@
                 <a:cs typeface="Roboto Mono"/>
                 <a:sym typeface="Roboto Mono"/>
               </a:rPr>
-              <a:t>X = data[['latitude', 'longitude', 'hour']]</a:t>
+              <a:t>X = data[['Latitude', 'Longitude', 'hour']]</a:t>
             </a:r>
             <a:endParaRPr sz="1575">
               <a:solidFill>
@@ -47576,7 +47576,7 @@
                 <a:cs typeface="Roboto Mono"/>
                 <a:sym typeface="Roboto Mono"/>
               </a:rPr>
-              <a:t>plt.scatter(data['longitude'], data['latitude'], c=data['cluster'], cmap='tab10', s=10)</a:t>
+              <a:t>plt.scatter(data['Longitude'], data['Latitude'], c=data['cluster'], cmap='tab10', s=10)</a:t>
             </a:r>
             <a:endParaRPr sz="1800">
               <a:solidFill>
